--- a/doc/poster_aussois.pptx
+++ b/doc/poster_aussois.pptx
@@ -53,7 +53,7 @@
       </p:grpSpPr>
       <p:sp>
         <p:nvSpPr>
-          <p:cNvPr id="23" name="PlaceHolder 1"/>
+          <p:cNvPr id="21" name="PlaceHolder 1"/>
           <p:cNvSpPr>
             <a:spLocks noGrp="1"/>
           </p:cNvSpPr>
@@ -63,8 +63,8 @@
         </p:nvSpPr>
         <p:spPr>
           <a:xfrm>
-            <a:off x="2160360" y="13421520"/>
-            <a:ext cx="24482160" cy="9259920"/>
+            <a:off x="1440000" y="1723680"/>
+            <a:ext cx="25922880" cy="7214760"/>
           </a:xfrm>
           <a:prstGeom prst="rect">
             <a:avLst/>
@@ -84,7 +84,7 @@
       </p:sp>
       <p:sp>
         <p:nvSpPr>
-          <p:cNvPr id="24" name="PlaceHolder 2"/>
+          <p:cNvPr id="22" name="PlaceHolder 2"/>
           <p:cNvSpPr>
             <a:spLocks noGrp="1"/>
           </p:cNvSpPr>
@@ -95,7 +95,7 @@
         <p:spPr>
           <a:xfrm>
             <a:off x="1440000" y="10109880"/>
-            <a:ext cx="25922520" cy="11952720"/>
+            <a:ext cx="25922880" cy="11952720"/>
           </a:xfrm>
           <a:prstGeom prst="rect">
             <a:avLst/>
@@ -114,7 +114,7 @@
       </p:sp>
       <p:sp>
         <p:nvSpPr>
-          <p:cNvPr id="25" name="PlaceHolder 3"/>
+          <p:cNvPr id="23" name="PlaceHolder 3"/>
           <p:cNvSpPr>
             <a:spLocks noGrp="1"/>
           </p:cNvSpPr>
@@ -125,7 +125,7 @@
         <p:spPr>
           <a:xfrm>
             <a:off x="1440000" y="23198400"/>
-            <a:ext cx="25922520" cy="11952720"/>
+            <a:ext cx="25922880" cy="11952720"/>
           </a:xfrm>
           <a:prstGeom prst="rect">
             <a:avLst/>
@@ -166,7 +166,7 @@
       </p:grpSpPr>
       <p:sp>
         <p:nvSpPr>
-          <p:cNvPr id="26" name="PlaceHolder 1"/>
+          <p:cNvPr id="24" name="PlaceHolder 1"/>
           <p:cNvSpPr>
             <a:spLocks noGrp="1"/>
           </p:cNvSpPr>
@@ -176,8 +176,8 @@
         </p:nvSpPr>
         <p:spPr>
           <a:xfrm>
-            <a:off x="2160360" y="13421520"/>
-            <a:ext cx="24482160" cy="9259920"/>
+            <a:off x="1440000" y="1723680"/>
+            <a:ext cx="25922880" cy="7214760"/>
           </a:xfrm>
           <a:prstGeom prst="rect">
             <a:avLst/>
@@ -197,7 +197,7 @@
       </p:sp>
       <p:sp>
         <p:nvSpPr>
-          <p:cNvPr id="27" name="PlaceHolder 2"/>
+          <p:cNvPr id="25" name="PlaceHolder 2"/>
           <p:cNvSpPr>
             <a:spLocks noGrp="1"/>
           </p:cNvSpPr>
@@ -227,7 +227,7 @@
       </p:sp>
       <p:sp>
         <p:nvSpPr>
-          <p:cNvPr id="28" name="PlaceHolder 3"/>
+          <p:cNvPr id="26" name="PlaceHolder 3"/>
           <p:cNvSpPr>
             <a:spLocks noGrp="1"/>
           </p:cNvSpPr>
@@ -257,7 +257,7 @@
       </p:sp>
       <p:sp>
         <p:nvSpPr>
-          <p:cNvPr id="29" name="PlaceHolder 4"/>
+          <p:cNvPr id="27" name="PlaceHolder 4"/>
           <p:cNvSpPr>
             <a:spLocks noGrp="1"/>
           </p:cNvSpPr>
@@ -287,7 +287,7 @@
       </p:sp>
       <p:sp>
         <p:nvSpPr>
-          <p:cNvPr id="30" name="PlaceHolder 5"/>
+          <p:cNvPr id="28" name="PlaceHolder 5"/>
           <p:cNvSpPr>
             <a:spLocks noGrp="1"/>
           </p:cNvSpPr>
@@ -339,7 +339,7 @@
       </p:grpSpPr>
       <p:sp>
         <p:nvSpPr>
-          <p:cNvPr id="31" name="PlaceHolder 1"/>
+          <p:cNvPr id="29" name="PlaceHolder 1"/>
           <p:cNvSpPr>
             <a:spLocks noGrp="1"/>
           </p:cNvSpPr>
@@ -349,8 +349,8 @@
         </p:nvSpPr>
         <p:spPr>
           <a:xfrm>
-            <a:off x="2160360" y="13421520"/>
-            <a:ext cx="24482160" cy="9259920"/>
+            <a:off x="1440000" y="1723680"/>
+            <a:ext cx="25922880" cy="7214760"/>
           </a:xfrm>
           <a:prstGeom prst="rect">
             <a:avLst/>
@@ -370,7 +370,7 @@
       </p:sp>
       <p:sp>
         <p:nvSpPr>
-          <p:cNvPr id="32" name="PlaceHolder 2"/>
+          <p:cNvPr id="30" name="PlaceHolder 2"/>
           <p:cNvSpPr>
             <a:spLocks noGrp="1"/>
           </p:cNvSpPr>
@@ -400,7 +400,7 @@
       </p:sp>
       <p:sp>
         <p:nvSpPr>
-          <p:cNvPr id="33" name="PlaceHolder 3"/>
+          <p:cNvPr id="31" name="PlaceHolder 3"/>
           <p:cNvSpPr>
             <a:spLocks noGrp="1"/>
           </p:cNvSpPr>
@@ -430,7 +430,7 @@
       </p:sp>
       <p:sp>
         <p:nvSpPr>
-          <p:cNvPr id="34" name="PlaceHolder 4"/>
+          <p:cNvPr id="32" name="PlaceHolder 4"/>
           <p:cNvSpPr>
             <a:spLocks noGrp="1"/>
           </p:cNvSpPr>
@@ -460,7 +460,7 @@
       </p:sp>
       <p:sp>
         <p:nvSpPr>
-          <p:cNvPr id="35" name="PlaceHolder 5"/>
+          <p:cNvPr id="33" name="PlaceHolder 5"/>
           <p:cNvSpPr>
             <a:spLocks noGrp="1"/>
           </p:cNvSpPr>
@@ -490,7 +490,7 @@
       </p:sp>
       <p:sp>
         <p:nvSpPr>
-          <p:cNvPr id="36" name="PlaceHolder 6"/>
+          <p:cNvPr id="34" name="PlaceHolder 6"/>
           <p:cNvSpPr>
             <a:spLocks noGrp="1"/>
           </p:cNvSpPr>
@@ -520,7 +520,7 @@
       </p:sp>
       <p:sp>
         <p:nvSpPr>
-          <p:cNvPr id="37" name="PlaceHolder 7"/>
+          <p:cNvPr id="35" name="PlaceHolder 7"/>
           <p:cNvSpPr>
             <a:spLocks noGrp="1"/>
           </p:cNvSpPr>
@@ -572,7 +572,7 @@
       </p:grpSpPr>
       <p:sp>
         <p:nvSpPr>
-          <p:cNvPr id="2" name="PlaceHolder 1"/>
+          <p:cNvPr id="0" name="PlaceHolder 1"/>
           <p:cNvSpPr>
             <a:spLocks noGrp="1"/>
           </p:cNvSpPr>
@@ -582,8 +582,8 @@
         </p:nvSpPr>
         <p:spPr>
           <a:xfrm>
-            <a:off x="2160360" y="13421520"/>
-            <a:ext cx="24482160" cy="9259920"/>
+            <a:off x="1440000" y="1723680"/>
+            <a:ext cx="25922880" cy="7214760"/>
           </a:xfrm>
           <a:prstGeom prst="rect">
             <a:avLst/>
@@ -603,7 +603,7 @@
       </p:sp>
       <p:sp>
         <p:nvSpPr>
-          <p:cNvPr id="3" name="PlaceHolder 2"/>
+          <p:cNvPr id="1" name="PlaceHolder 2"/>
           <p:cNvSpPr>
             <a:spLocks noGrp="1"/>
           </p:cNvSpPr>
@@ -614,7 +614,7 @@
         <p:spPr>
           <a:xfrm>
             <a:off x="1440000" y="10109880"/>
-            <a:ext cx="25922520" cy="25058160"/>
+            <a:ext cx="25922880" cy="25058520"/>
           </a:xfrm>
           <a:prstGeom prst="rect">
             <a:avLst/>
@@ -656,7 +656,7 @@
       </p:grpSpPr>
       <p:sp>
         <p:nvSpPr>
-          <p:cNvPr id="4" name="PlaceHolder 1"/>
+          <p:cNvPr id="2" name="PlaceHolder 1"/>
           <p:cNvSpPr>
             <a:spLocks noGrp="1"/>
           </p:cNvSpPr>
@@ -666,8 +666,8 @@
         </p:nvSpPr>
         <p:spPr>
           <a:xfrm>
-            <a:off x="2160360" y="13421520"/>
-            <a:ext cx="24482160" cy="9259920"/>
+            <a:off x="1440000" y="1723680"/>
+            <a:ext cx="25922880" cy="7214760"/>
           </a:xfrm>
           <a:prstGeom prst="rect">
             <a:avLst/>
@@ -687,7 +687,7 @@
       </p:sp>
       <p:sp>
         <p:nvSpPr>
-          <p:cNvPr id="5" name="PlaceHolder 2"/>
+          <p:cNvPr id="3" name="PlaceHolder 2"/>
           <p:cNvSpPr>
             <a:spLocks noGrp="1"/>
           </p:cNvSpPr>
@@ -698,7 +698,7 @@
         <p:spPr>
           <a:xfrm>
             <a:off x="1440000" y="10109880"/>
-            <a:ext cx="25922520" cy="25058160"/>
+            <a:ext cx="25922880" cy="25058520"/>
           </a:xfrm>
           <a:prstGeom prst="rect">
             <a:avLst/>
@@ -739,7 +739,7 @@
       </p:grpSpPr>
       <p:sp>
         <p:nvSpPr>
-          <p:cNvPr id="6" name="PlaceHolder 1"/>
+          <p:cNvPr id="4" name="PlaceHolder 1"/>
           <p:cNvSpPr>
             <a:spLocks noGrp="1"/>
           </p:cNvSpPr>
@@ -749,8 +749,8 @@
         </p:nvSpPr>
         <p:spPr>
           <a:xfrm>
-            <a:off x="2160360" y="13421520"/>
-            <a:ext cx="24482160" cy="9259920"/>
+            <a:off x="1440000" y="1723680"/>
+            <a:ext cx="25922880" cy="7214760"/>
           </a:xfrm>
           <a:prstGeom prst="rect">
             <a:avLst/>
@@ -770,7 +770,7 @@
       </p:sp>
       <p:sp>
         <p:nvSpPr>
-          <p:cNvPr id="7" name="PlaceHolder 2"/>
+          <p:cNvPr id="5" name="PlaceHolder 2"/>
           <p:cNvSpPr>
             <a:spLocks noGrp="1"/>
           </p:cNvSpPr>
@@ -781,7 +781,7 @@
         <p:spPr>
           <a:xfrm>
             <a:off x="1440000" y="10109880"/>
-            <a:ext cx="12650040" cy="25058160"/>
+            <a:ext cx="12650040" cy="25058520"/>
           </a:xfrm>
           <a:prstGeom prst="rect">
             <a:avLst/>
@@ -800,7 +800,7 @@
       </p:sp>
       <p:sp>
         <p:nvSpPr>
-          <p:cNvPr id="8" name="PlaceHolder 3"/>
+          <p:cNvPr id="6" name="PlaceHolder 3"/>
           <p:cNvSpPr>
             <a:spLocks noGrp="1"/>
           </p:cNvSpPr>
@@ -811,7 +811,7 @@
         <p:spPr>
           <a:xfrm>
             <a:off x="14722920" y="10109880"/>
-            <a:ext cx="12650040" cy="25058160"/>
+            <a:ext cx="12650040" cy="25058520"/>
           </a:xfrm>
           <a:prstGeom prst="rect">
             <a:avLst/>
@@ -852,7 +852,7 @@
       </p:grpSpPr>
       <p:sp>
         <p:nvSpPr>
-          <p:cNvPr id="9" name="PlaceHolder 1"/>
+          <p:cNvPr id="7" name="PlaceHolder 1"/>
           <p:cNvSpPr>
             <a:spLocks noGrp="1"/>
           </p:cNvSpPr>
@@ -862,8 +862,8 @@
         </p:nvSpPr>
         <p:spPr>
           <a:xfrm>
-            <a:off x="2160360" y="13421520"/>
-            <a:ext cx="24482160" cy="9259920"/>
+            <a:off x="1440000" y="1723680"/>
+            <a:ext cx="25922880" cy="7214760"/>
           </a:xfrm>
           <a:prstGeom prst="rect">
             <a:avLst/>
@@ -905,7 +905,7 @@
       </p:grpSpPr>
       <p:sp>
         <p:nvSpPr>
-          <p:cNvPr id="10" name="PlaceHolder 1"/>
+          <p:cNvPr id="8" name="PlaceHolder 1"/>
           <p:cNvSpPr>
             <a:spLocks noGrp="1"/>
           </p:cNvSpPr>
@@ -915,8 +915,8 @@
         </p:nvSpPr>
         <p:spPr>
           <a:xfrm>
-            <a:off x="2160360" y="13421520"/>
-            <a:ext cx="24482160" cy="42924600"/>
+            <a:off x="1440000" y="1723680"/>
+            <a:ext cx="25922880" cy="33444720"/>
           </a:xfrm>
           <a:prstGeom prst="rect">
             <a:avLst/>
@@ -958,7 +958,7 @@
       </p:grpSpPr>
       <p:sp>
         <p:nvSpPr>
-          <p:cNvPr id="11" name="PlaceHolder 1"/>
+          <p:cNvPr id="9" name="PlaceHolder 1"/>
           <p:cNvSpPr>
             <a:spLocks noGrp="1"/>
           </p:cNvSpPr>
@@ -968,8 +968,8 @@
         </p:nvSpPr>
         <p:spPr>
           <a:xfrm>
-            <a:off x="2160360" y="13421520"/>
-            <a:ext cx="24482160" cy="9259920"/>
+            <a:off x="1440000" y="1723680"/>
+            <a:ext cx="25922880" cy="7214760"/>
           </a:xfrm>
           <a:prstGeom prst="rect">
             <a:avLst/>
@@ -989,7 +989,7 @@
       </p:sp>
       <p:sp>
         <p:nvSpPr>
-          <p:cNvPr id="12" name="PlaceHolder 2"/>
+          <p:cNvPr id="10" name="PlaceHolder 2"/>
           <p:cNvSpPr>
             <a:spLocks noGrp="1"/>
           </p:cNvSpPr>
@@ -1019,7 +1019,7 @@
       </p:sp>
       <p:sp>
         <p:nvSpPr>
-          <p:cNvPr id="13" name="PlaceHolder 3"/>
+          <p:cNvPr id="11" name="PlaceHolder 3"/>
           <p:cNvSpPr>
             <a:spLocks noGrp="1"/>
           </p:cNvSpPr>
@@ -1030,7 +1030,7 @@
         <p:spPr>
           <a:xfrm>
             <a:off x="14722920" y="10109880"/>
-            <a:ext cx="12650040" cy="25058160"/>
+            <a:ext cx="12650040" cy="25058520"/>
           </a:xfrm>
           <a:prstGeom prst="rect">
             <a:avLst/>
@@ -1049,7 +1049,7 @@
       </p:sp>
       <p:sp>
         <p:nvSpPr>
-          <p:cNvPr id="14" name="PlaceHolder 4"/>
+          <p:cNvPr id="12" name="PlaceHolder 4"/>
           <p:cNvSpPr>
             <a:spLocks noGrp="1"/>
           </p:cNvSpPr>
@@ -1101,7 +1101,7 @@
       </p:grpSpPr>
       <p:sp>
         <p:nvSpPr>
-          <p:cNvPr id="15" name="PlaceHolder 1"/>
+          <p:cNvPr id="13" name="PlaceHolder 1"/>
           <p:cNvSpPr>
             <a:spLocks noGrp="1"/>
           </p:cNvSpPr>
@@ -1111,8 +1111,8 @@
         </p:nvSpPr>
         <p:spPr>
           <a:xfrm>
-            <a:off x="2160360" y="13421520"/>
-            <a:ext cx="24482160" cy="9259920"/>
+            <a:off x="1440000" y="1723680"/>
+            <a:ext cx="25922880" cy="7214760"/>
           </a:xfrm>
           <a:prstGeom prst="rect">
             <a:avLst/>
@@ -1132,7 +1132,7 @@
       </p:sp>
       <p:sp>
         <p:nvSpPr>
-          <p:cNvPr id="16" name="PlaceHolder 2"/>
+          <p:cNvPr id="14" name="PlaceHolder 2"/>
           <p:cNvSpPr>
             <a:spLocks noGrp="1"/>
           </p:cNvSpPr>
@@ -1143,7 +1143,7 @@
         <p:spPr>
           <a:xfrm>
             <a:off x="1440000" y="10109880"/>
-            <a:ext cx="12650040" cy="25058160"/>
+            <a:ext cx="12650040" cy="25058520"/>
           </a:xfrm>
           <a:prstGeom prst="rect">
             <a:avLst/>
@@ -1162,7 +1162,7 @@
       </p:sp>
       <p:sp>
         <p:nvSpPr>
-          <p:cNvPr id="17" name="PlaceHolder 3"/>
+          <p:cNvPr id="15" name="PlaceHolder 3"/>
           <p:cNvSpPr>
             <a:spLocks noGrp="1"/>
           </p:cNvSpPr>
@@ -1192,7 +1192,7 @@
       </p:sp>
       <p:sp>
         <p:nvSpPr>
-          <p:cNvPr id="18" name="PlaceHolder 4"/>
+          <p:cNvPr id="16" name="PlaceHolder 4"/>
           <p:cNvSpPr>
             <a:spLocks noGrp="1"/>
           </p:cNvSpPr>
@@ -1244,7 +1244,7 @@
       </p:grpSpPr>
       <p:sp>
         <p:nvSpPr>
-          <p:cNvPr id="19" name="PlaceHolder 1"/>
+          <p:cNvPr id="17" name="PlaceHolder 1"/>
           <p:cNvSpPr>
             <a:spLocks noGrp="1"/>
           </p:cNvSpPr>
@@ -1254,8 +1254,8 @@
         </p:nvSpPr>
         <p:spPr>
           <a:xfrm>
-            <a:off x="2160360" y="13421520"/>
-            <a:ext cx="24482160" cy="9259920"/>
+            <a:off x="1440000" y="1723680"/>
+            <a:ext cx="25922880" cy="7214760"/>
           </a:xfrm>
           <a:prstGeom prst="rect">
             <a:avLst/>
@@ -1275,7 +1275,7 @@
       </p:sp>
       <p:sp>
         <p:nvSpPr>
-          <p:cNvPr id="20" name="PlaceHolder 2"/>
+          <p:cNvPr id="18" name="PlaceHolder 2"/>
           <p:cNvSpPr>
             <a:spLocks noGrp="1"/>
           </p:cNvSpPr>
@@ -1305,7 +1305,7 @@
       </p:sp>
       <p:sp>
         <p:nvSpPr>
-          <p:cNvPr id="21" name="PlaceHolder 3"/>
+          <p:cNvPr id="19" name="PlaceHolder 3"/>
           <p:cNvSpPr>
             <a:spLocks noGrp="1"/>
           </p:cNvSpPr>
@@ -1335,7 +1335,7 @@
       </p:sp>
       <p:sp>
         <p:nvSpPr>
-          <p:cNvPr id="22" name="PlaceHolder 4"/>
+          <p:cNvPr id="20" name="PlaceHolder 4"/>
           <p:cNvSpPr>
             <a:spLocks noGrp="1"/>
           </p:cNvSpPr>
@@ -1346,7 +1346,7 @@
         <p:spPr>
           <a:xfrm>
             <a:off x="1440000" y="23198400"/>
-            <a:ext cx="25922520" cy="11952720"/>
+            <a:ext cx="25922880" cy="11952720"/>
           </a:xfrm>
           <a:prstGeom prst="rect">
             <a:avLst/>
@@ -1392,221 +1392,6 @@
           <a:chExt cx="0" cy="0"/>
         </a:xfrm>
       </p:grpSpPr>
-      <p:sp>
-        <p:nvSpPr>
-          <p:cNvPr id="0" name="PlaceHolder 1"/>
-          <p:cNvSpPr>
-            <a:spLocks noGrp="1"/>
-          </p:cNvSpPr>
-          <p:nvPr>
-            <p:ph type="title"/>
-          </p:nvPr>
-        </p:nvSpPr>
-        <p:spPr>
-          <a:xfrm>
-            <a:off x="2160360" y="13421520"/>
-            <a:ext cx="24482160" cy="9259920"/>
-          </a:xfrm>
-          <a:prstGeom prst="rect">
-            <a:avLst/>
-          </a:prstGeom>
-        </p:spPr>
-        <p:txBody>
-          <a:bodyPr lIns="0" rIns="0" tIns="0" bIns="0" anchor="ctr">
-            <a:noAutofit/>
-          </a:bodyPr>
-          <a:p>
-            <a:r>
-              <a:rPr b="0" lang="fr-FR" sz="1800" spc="-1" strike="noStrike">
-                <a:latin typeface="Arial"/>
-              </a:rPr>
-              <a:t>Cliquez pour éditer le format du texte-titre</a:t>
-            </a:r>
-            <a:endParaRPr b="0" lang="fr-FR" sz="1800" spc="-1" strike="noStrike">
-              <a:latin typeface="Arial"/>
-            </a:endParaRPr>
-          </a:p>
-        </p:txBody>
-      </p:sp>
-      <p:sp>
-        <p:nvSpPr>
-          <p:cNvPr id="1" name="PlaceHolder 2"/>
-          <p:cNvSpPr>
-            <a:spLocks noGrp="1"/>
-          </p:cNvSpPr>
-          <p:nvPr>
-            <p:ph type="body"/>
-          </p:nvPr>
-        </p:nvSpPr>
-        <p:spPr>
-          <a:xfrm>
-            <a:off x="1440000" y="10109880"/>
-            <a:ext cx="25922520" cy="25058160"/>
-          </a:xfrm>
-          <a:prstGeom prst="rect">
-            <a:avLst/>
-          </a:prstGeom>
-        </p:spPr>
-        <p:txBody>
-          <a:bodyPr lIns="0" rIns="0" tIns="0" bIns="0">
-            <a:normAutofit/>
-          </a:bodyPr>
-          <a:p>
-            <a:pPr marL="432000" indent="-324000">
-              <a:spcBef>
-                <a:spcPts val="1417"/>
-              </a:spcBef>
-              <a:buClr>
-                <a:srgbClr val="000000"/>
-              </a:buClr>
-              <a:buSzPct val="45000"/>
-              <a:buFont typeface="Wingdings" charset="2"/>
-              <a:buChar char=""/>
-            </a:pPr>
-            <a:r>
-              <a:rPr b="0" lang="fr-FR" sz="1800" spc="-1" strike="noStrike">
-                <a:latin typeface="Arial"/>
-              </a:rPr>
-              <a:t>Cliquez pour éditer le format du plan de texte</a:t>
-            </a:r>
-            <a:endParaRPr b="0" lang="fr-FR" sz="1800" spc="-1" strike="noStrike">
-              <a:latin typeface="Arial"/>
-            </a:endParaRPr>
-          </a:p>
-          <a:p>
-            <a:pPr lvl="1" marL="864000" indent="-324000">
-              <a:spcBef>
-                <a:spcPts val="1134"/>
-              </a:spcBef>
-              <a:buClr>
-                <a:srgbClr val="000000"/>
-              </a:buClr>
-              <a:buSzPct val="75000"/>
-              <a:buFont typeface="Symbol" charset="2"/>
-              <a:buChar char=""/>
-            </a:pPr>
-            <a:r>
-              <a:rPr b="0" lang="fr-FR" sz="1800" spc="-1" strike="noStrike">
-                <a:latin typeface="Arial"/>
-              </a:rPr>
-              <a:t>Second niveau de plan</a:t>
-            </a:r>
-            <a:endParaRPr b="0" lang="fr-FR" sz="1800" spc="-1" strike="noStrike">
-              <a:latin typeface="Arial"/>
-            </a:endParaRPr>
-          </a:p>
-          <a:p>
-            <a:pPr lvl="2" marL="1296000" indent="-288000">
-              <a:spcBef>
-                <a:spcPts val="850"/>
-              </a:spcBef>
-              <a:buClr>
-                <a:srgbClr val="000000"/>
-              </a:buClr>
-              <a:buSzPct val="45000"/>
-              <a:buFont typeface="Wingdings" charset="2"/>
-              <a:buChar char=""/>
-            </a:pPr>
-            <a:r>
-              <a:rPr b="0" lang="fr-FR" sz="1800" spc="-1" strike="noStrike">
-                <a:latin typeface="Arial"/>
-              </a:rPr>
-              <a:t>Troisième niveau de plan</a:t>
-            </a:r>
-            <a:endParaRPr b="0" lang="fr-FR" sz="1800" spc="-1" strike="noStrike">
-              <a:latin typeface="Arial"/>
-            </a:endParaRPr>
-          </a:p>
-          <a:p>
-            <a:pPr lvl="3" marL="1728000" indent="-216000">
-              <a:spcBef>
-                <a:spcPts val="567"/>
-              </a:spcBef>
-              <a:buClr>
-                <a:srgbClr val="000000"/>
-              </a:buClr>
-              <a:buSzPct val="75000"/>
-              <a:buFont typeface="Symbol" charset="2"/>
-              <a:buChar char=""/>
-            </a:pPr>
-            <a:r>
-              <a:rPr b="0" lang="fr-FR" sz="1800" spc="-1" strike="noStrike">
-                <a:latin typeface="Arial"/>
-              </a:rPr>
-              <a:t>Quatrième niveau de plan</a:t>
-            </a:r>
-            <a:endParaRPr b="0" lang="fr-FR" sz="1800" spc="-1" strike="noStrike">
-              <a:latin typeface="Arial"/>
-            </a:endParaRPr>
-          </a:p>
-          <a:p>
-            <a:pPr lvl="4" marL="2160000" indent="-216000">
-              <a:spcBef>
-                <a:spcPts val="283"/>
-              </a:spcBef>
-              <a:buClr>
-                <a:srgbClr val="000000"/>
-              </a:buClr>
-              <a:buSzPct val="45000"/>
-              <a:buFont typeface="Wingdings" charset="2"/>
-              <a:buChar char=""/>
-            </a:pPr>
-            <a:r>
-              <a:rPr b="0" lang="fr-FR" sz="1800" spc="-1" strike="noStrike">
-                <a:latin typeface="Arial"/>
-              </a:rPr>
-              <a:t>Cinquième niveau de plan</a:t>
-            </a:r>
-            <a:endParaRPr b="0" lang="fr-FR" sz="1800" spc="-1" strike="noStrike">
-              <a:latin typeface="Arial"/>
-            </a:endParaRPr>
-          </a:p>
-          <a:p>
-            <a:pPr lvl="5" marL="2592000" indent="-216000">
-              <a:spcBef>
-                <a:spcPts val="283"/>
-              </a:spcBef>
-              <a:buClr>
-                <a:srgbClr val="000000"/>
-              </a:buClr>
-              <a:buSzPct val="45000"/>
-              <a:buFont typeface="Wingdings" charset="2"/>
-              <a:buChar char=""/>
-            </a:pPr>
-            <a:r>
-              <a:rPr b="0" lang="fr-FR" sz="1800" spc="-1" strike="noStrike">
-                <a:latin typeface="Arial"/>
-              </a:rPr>
-              <a:t>Sixième niveau de plan</a:t>
-            </a:r>
-            <a:endParaRPr b="0" lang="fr-FR" sz="1800" spc="-1" strike="noStrike">
-              <a:latin typeface="Arial"/>
-            </a:endParaRPr>
-          </a:p>
-          <a:p>
-            <a:pPr lvl="6" marL="3024000" indent="-216000">
-              <a:spcBef>
-                <a:spcPts val="283"/>
-              </a:spcBef>
-              <a:buClr>
-                <a:srgbClr val="000000"/>
-              </a:buClr>
-              <a:buSzPct val="45000"/>
-              <a:buFont typeface="Wingdings" charset="2"/>
-              <a:buChar char=""/>
-            </a:pPr>
-            <a:r>
-              <a:rPr b="0" lang="fr-FR" sz="1800" spc="-1" strike="noStrike">
-                <a:latin typeface="Arial"/>
-              </a:rPr>
-              <a:t>Septième niveau de plan</a:t>
-            </a:r>
-            <a:endParaRPr b="0" lang="fr-FR" sz="1800" spc="-1" strike="noStrike">
-              <a:latin typeface="Arial"/>
-            </a:endParaRPr>
-          </a:p>
-        </p:txBody>
-      </p:sp>
     </p:spTree>
   </p:cSld>
   <p:clrMap bg1="lt1" bg2="lt2" tx1="dk1" tx2="dk2" accent1="accent1" accent2="accent2" accent3="accent3" accent4="accent4" accent5="accent5" accent6="accent6" hlink="hlink" folHlink="folHlink"/>
@@ -1646,7 +1431,7 @@
       </p:grpSpPr>
       <p:pic>
         <p:nvPicPr>
-          <p:cNvPr id="38" name="Image 6" descr=""/>
+          <p:cNvPr id="36" name="Image 6" descr=""/>
           <p:cNvPicPr/>
           <p:nvPr/>
         </p:nvPicPr>
@@ -1657,7 +1442,7 @@
         <p:spPr>
           <a:xfrm>
             <a:off x="792360" y="720360"/>
-            <a:ext cx="12549960" cy="5538240"/>
+            <a:ext cx="12549240" cy="5537520"/>
           </a:xfrm>
           <a:prstGeom prst="rect">
             <a:avLst/>
@@ -1669,7 +1454,7 @@
       </p:pic>
       <p:pic>
         <p:nvPicPr>
-          <p:cNvPr id="39" name="" descr=""/>
+          <p:cNvPr id="37" name="" descr=""/>
           <p:cNvPicPr/>
           <p:nvPr/>
         </p:nvPicPr>
@@ -1680,7 +1465,7 @@
         <p:spPr>
           <a:xfrm>
             <a:off x="14760000" y="864000"/>
-            <a:ext cx="4247280" cy="4247280"/>
+            <a:ext cx="4246560" cy="4246560"/>
           </a:xfrm>
           <a:prstGeom prst="rect">
             <a:avLst/>
@@ -1692,7 +1477,7 @@
       </p:pic>
       <p:pic>
         <p:nvPicPr>
-          <p:cNvPr id="40" name="Image 12" descr=""/>
+          <p:cNvPr id="38" name="Image 12" descr=""/>
           <p:cNvPicPr/>
           <p:nvPr/>
         </p:nvPicPr>
@@ -1703,7 +1488,7 @@
         <p:spPr>
           <a:xfrm>
             <a:off x="21674520" y="38452680"/>
-            <a:ext cx="6422400" cy="6497280"/>
+            <a:ext cx="6421680" cy="6496560"/>
           </a:xfrm>
           <a:prstGeom prst="rect">
             <a:avLst/>
@@ -1715,7 +1500,7 @@
       </p:pic>
       <p:pic>
         <p:nvPicPr>
-          <p:cNvPr id="41" name="Image 2" descr=""/>
+          <p:cNvPr id="39" name="Image 2" descr=""/>
           <p:cNvPicPr/>
           <p:nvPr/>
         </p:nvPicPr>
@@ -1726,7 +1511,7 @@
         <p:spPr>
           <a:xfrm>
             <a:off x="12600" y="35394840"/>
-            <a:ext cx="28789920" cy="7809480"/>
+            <a:ext cx="28789200" cy="7808760"/>
           </a:xfrm>
           <a:prstGeom prst="rect">
             <a:avLst/>
@@ -1738,7 +1523,7 @@
       </p:pic>
       <p:pic>
         <p:nvPicPr>
-          <p:cNvPr id="42" name="Image 4" descr=""/>
+          <p:cNvPr id="40" name="Image 4" descr=""/>
           <p:cNvPicPr/>
           <p:nvPr/>
         </p:nvPicPr>
@@ -1749,7 +1534,7 @@
         <p:spPr>
           <a:xfrm>
             <a:off x="20685600" y="37730880"/>
-            <a:ext cx="740160" cy="1080720"/>
+            <a:ext cx="739440" cy="1080000"/>
           </a:xfrm>
           <a:prstGeom prst="rect">
             <a:avLst/>
@@ -1761,14 +1546,14 @@
       </p:pic>
       <p:sp>
         <p:nvSpPr>
-          <p:cNvPr id="43" name="CustomShape 1"/>
+          <p:cNvPr id="41" name="CustomShape 1"/>
           <p:cNvSpPr/>
           <p:nvPr/>
         </p:nvSpPr>
         <p:spPr>
           <a:xfrm>
             <a:off x="22078080" y="37736280"/>
-            <a:ext cx="5615640" cy="4612680"/>
+            <a:ext cx="5614920" cy="4612680"/>
           </a:xfrm>
           <a:prstGeom prst="rect">
             <a:avLst/>
@@ -1884,7 +1669,7 @@
       </p:sp>
       <p:pic>
         <p:nvPicPr>
-          <p:cNvPr id="44" name="Image 9" descr=""/>
+          <p:cNvPr id="42" name="Image 9" descr=""/>
           <p:cNvPicPr/>
           <p:nvPr/>
         </p:nvPicPr>
@@ -1895,7 +1680,7 @@
         <p:spPr>
           <a:xfrm>
             <a:off x="1368360" y="36652320"/>
-            <a:ext cx="646560" cy="1078560"/>
+            <a:ext cx="645840" cy="1077840"/>
           </a:xfrm>
           <a:prstGeom prst="rect">
             <a:avLst/>
@@ -1907,14 +1692,14 @@
       </p:pic>
       <p:sp>
         <p:nvSpPr>
-          <p:cNvPr id="45" name="CustomShape 2"/>
+          <p:cNvPr id="43" name="CustomShape 2"/>
           <p:cNvSpPr/>
           <p:nvPr/>
         </p:nvSpPr>
         <p:spPr>
           <a:xfrm>
             <a:off x="2541960" y="36652320"/>
-            <a:ext cx="8186400" cy="1217520"/>
+            <a:ext cx="8185680" cy="1217160"/>
           </a:xfrm>
           <a:prstGeom prst="rect">
             <a:avLst/>
@@ -1978,7 +1763,7 @@
       </p:sp>
       <p:pic>
         <p:nvPicPr>
-          <p:cNvPr id="46" name="Image 15" descr=""/>
+          <p:cNvPr id="44" name="Image 15" descr=""/>
           <p:cNvPicPr/>
           <p:nvPr/>
         </p:nvPicPr>
@@ -1989,7 +1774,7 @@
         <p:spPr>
           <a:xfrm>
             <a:off x="1512000" y="6768000"/>
-            <a:ext cx="6247080" cy="44640"/>
+            <a:ext cx="6246360" cy="43920"/>
           </a:xfrm>
           <a:prstGeom prst="rect">
             <a:avLst/>
@@ -2001,7 +1786,7 @@
       </p:pic>
       <p:pic>
         <p:nvPicPr>
-          <p:cNvPr id="47" name="Image 20" descr=""/>
+          <p:cNvPr id="45" name="Image 20" descr=""/>
           <p:cNvPicPr/>
           <p:nvPr/>
         </p:nvPicPr>
@@ -2012,7 +1797,7 @@
         <p:spPr>
           <a:xfrm>
             <a:off x="8197200" y="6049080"/>
-            <a:ext cx="914040" cy="630360"/>
+            <a:ext cx="913320" cy="629640"/>
           </a:xfrm>
           <a:prstGeom prst="rect">
             <a:avLst/>
@@ -2024,14 +1809,14 @@
       </p:pic>
       <p:sp>
         <p:nvSpPr>
-          <p:cNvPr id="48" name="CustomShape 3"/>
+          <p:cNvPr id="46" name="CustomShape 3"/>
           <p:cNvSpPr/>
           <p:nvPr/>
         </p:nvSpPr>
         <p:spPr>
           <a:xfrm>
             <a:off x="1323720" y="6206760"/>
-            <a:ext cx="6268680" cy="4173840"/>
+            <a:ext cx="6267960" cy="4173480"/>
           </a:xfrm>
           <a:prstGeom prst="rect">
             <a:avLst/>
@@ -2156,14 +1941,14 @@
       </p:sp>
       <p:sp>
         <p:nvSpPr>
-          <p:cNvPr id="49" name="CustomShape 4"/>
+          <p:cNvPr id="47" name="CustomShape 4"/>
           <p:cNvSpPr/>
           <p:nvPr/>
         </p:nvSpPr>
         <p:spPr>
           <a:xfrm>
             <a:off x="8640000" y="9108000"/>
-            <a:ext cx="19655640" cy="17496000"/>
+            <a:ext cx="19654920" cy="17495280"/>
           </a:xfrm>
           <a:custGeom>
             <a:avLst/>
@@ -2283,14 +2068,14 @@
       </p:sp>
       <p:sp>
         <p:nvSpPr>
-          <p:cNvPr id="50" name="CustomShape 5"/>
+          <p:cNvPr id="48" name="CustomShape 5"/>
           <p:cNvSpPr/>
           <p:nvPr/>
         </p:nvSpPr>
         <p:spPr>
           <a:xfrm>
             <a:off x="576000" y="9216000"/>
-            <a:ext cx="7704000" cy="10836000"/>
+            <a:ext cx="7703280" cy="11879640"/>
           </a:xfrm>
           <a:custGeom>
             <a:avLst/>
@@ -2410,14 +2195,14 @@
       </p:sp>
       <p:sp>
         <p:nvSpPr>
-          <p:cNvPr id="51" name="CustomShape 6"/>
+          <p:cNvPr id="49" name="CustomShape 6"/>
           <p:cNvSpPr/>
           <p:nvPr/>
         </p:nvSpPr>
         <p:spPr>
           <a:xfrm>
             <a:off x="7990200" y="4672440"/>
-            <a:ext cx="18937080" cy="4111560"/>
+            <a:ext cx="18936360" cy="4111560"/>
           </a:xfrm>
           <a:prstGeom prst="rect">
             <a:avLst/>
@@ -2461,14 +2246,14 @@
       </p:sp>
       <p:sp>
         <p:nvSpPr>
-          <p:cNvPr id="52" name="CustomShape 7"/>
+          <p:cNvPr id="50" name="CustomShape 7"/>
           <p:cNvSpPr/>
           <p:nvPr/>
         </p:nvSpPr>
         <p:spPr>
           <a:xfrm>
             <a:off x="1512000" y="9308520"/>
-            <a:ext cx="7919280" cy="770760"/>
+            <a:ext cx="7918560" cy="770040"/>
           </a:xfrm>
           <a:prstGeom prst="rect">
             <a:avLst/>
@@ -2512,14 +2297,14 @@
       </p:sp>
       <p:sp>
         <p:nvSpPr>
-          <p:cNvPr id="53" name="CustomShape 8"/>
+          <p:cNvPr id="51" name="CustomShape 8"/>
           <p:cNvSpPr/>
           <p:nvPr/>
         </p:nvSpPr>
         <p:spPr>
           <a:xfrm>
             <a:off x="756360" y="10224000"/>
-            <a:ext cx="7307640" cy="9612000"/>
+            <a:ext cx="7306920" cy="10727640"/>
           </a:xfrm>
           <a:custGeom>
             <a:avLst/>
@@ -2639,14 +2424,14 @@
       </p:sp>
       <p:sp>
         <p:nvSpPr>
-          <p:cNvPr id="54" name="CustomShape 9"/>
+          <p:cNvPr id="52" name="CustomShape 9"/>
           <p:cNvSpPr/>
           <p:nvPr/>
         </p:nvSpPr>
         <p:spPr>
           <a:xfrm>
             <a:off x="1368000" y="10476000"/>
-            <a:ext cx="6192000" cy="9144000"/>
+            <a:ext cx="6191280" cy="9143280"/>
           </a:xfrm>
           <a:prstGeom prst="rect">
             <a:avLst/>
@@ -2680,7 +2465,7 @@
                 <a:latin typeface="Times New Roman"/>
                 <a:ea typeface="Noto Sans CJK SC"/>
               </a:rPr>
-              <a:t>Dans le projet CASDAR Atipical, une banque de données d’images a été constituée, faisant appel à la vision humaine et à la génétique pour l’identification des maladies sur des feuilles de colza. Face à cette banque de données d’images comprenant 967 paires de photos standardisées (Bousset et al. 2022), s’est posé la question de l’automatisation de la classification par vision numérique.</a:t>
+              <a:t>Dans le projet CASDAR Atipical, une banque de données d’images a été constituée, faisant appel à la vision humaine et à la génétique pour l’identification des maladies sur des feuilles de colza. Face à cette banque de données d’images comprenant 967 paires de photos standardisées (Bousset et al. 2022), s’est posé la question de l’automatisation de la classification par vision numérique. La banque de données a été créé à partir de 4908 paires d’images annotées par un unique expert en 7 classes.</a:t>
             </a:r>
             <a:endParaRPr b="0" lang="fr-FR" sz="2800" spc="-1" strike="noStrike">
               <a:latin typeface="Arial"/>
@@ -2710,14 +2495,14 @@
       </p:sp>
       <p:sp>
         <p:nvSpPr>
-          <p:cNvPr id="55" name="CustomShape 10"/>
+          <p:cNvPr id="53" name="CustomShape 10"/>
           <p:cNvSpPr/>
           <p:nvPr/>
         </p:nvSpPr>
         <p:spPr>
           <a:xfrm>
             <a:off x="10368000" y="9684000"/>
-            <a:ext cx="3239640" cy="681120"/>
+            <a:ext cx="3238920" cy="680400"/>
           </a:xfrm>
           <a:prstGeom prst="rect">
             <a:avLst/>
@@ -2745,7 +2530,11 @@
             </a:pPr>
             <a:r>
               <a:rPr b="0" lang="fr-FR" sz="4800" spc="-1" strike="noStrike">
+                <a:solidFill>
+                  <a:srgbClr val="000000"/>
+                </a:solidFill>
                 <a:latin typeface="Arial"/>
+                <a:ea typeface="DejaVu Sans"/>
               </a:rPr>
               <a:t>Processus</a:t>
             </a:r>
@@ -2757,14 +2546,14 @@
       </p:sp>
       <p:sp>
         <p:nvSpPr>
-          <p:cNvPr id="56" name="CustomShape 11"/>
+          <p:cNvPr id="54" name="CustomShape 11"/>
           <p:cNvSpPr/>
           <p:nvPr/>
         </p:nvSpPr>
         <p:spPr>
           <a:xfrm>
-            <a:off x="576000" y="20376000"/>
-            <a:ext cx="7632000" cy="13787640"/>
+            <a:off x="576000" y="21312000"/>
+            <a:ext cx="7631280" cy="12850920"/>
           </a:xfrm>
           <a:custGeom>
             <a:avLst/>
@@ -2884,14 +2673,14 @@
       </p:sp>
       <p:sp>
         <p:nvSpPr>
-          <p:cNvPr id="57" name="CustomShape 12"/>
+          <p:cNvPr id="55" name="CustomShape 12"/>
           <p:cNvSpPr/>
           <p:nvPr/>
         </p:nvSpPr>
         <p:spPr>
           <a:xfrm>
-            <a:off x="1051560" y="20744280"/>
-            <a:ext cx="7919280" cy="770760"/>
+            <a:off x="1051560" y="21572280"/>
+            <a:ext cx="7918560" cy="770040"/>
           </a:xfrm>
           <a:prstGeom prst="rect">
             <a:avLst/>
@@ -2935,14 +2724,14 @@
       </p:sp>
       <p:sp>
         <p:nvSpPr>
-          <p:cNvPr id="58" name="CustomShape 13"/>
+          <p:cNvPr id="56" name="CustomShape 13"/>
           <p:cNvSpPr/>
           <p:nvPr/>
         </p:nvSpPr>
         <p:spPr>
           <a:xfrm>
             <a:off x="8640000" y="26856000"/>
-            <a:ext cx="19655640" cy="7307640"/>
+            <a:ext cx="19654920" cy="7306920"/>
           </a:xfrm>
           <a:custGeom>
             <a:avLst/>
@@ -3062,14 +2851,14 @@
       </p:sp>
       <p:sp>
         <p:nvSpPr>
-          <p:cNvPr id="59" name="CustomShape 14"/>
+          <p:cNvPr id="57" name="CustomShape 14"/>
           <p:cNvSpPr/>
           <p:nvPr/>
         </p:nvSpPr>
         <p:spPr>
           <a:xfrm>
             <a:off x="9270720" y="27220680"/>
-            <a:ext cx="7919280" cy="770760"/>
+            <a:ext cx="7918560" cy="770040"/>
           </a:xfrm>
           <a:prstGeom prst="rect">
             <a:avLst/>
@@ -3113,14 +2902,14 @@
       </p:sp>
       <p:sp>
         <p:nvSpPr>
-          <p:cNvPr id="60" name="CustomShape 15"/>
+          <p:cNvPr id="58" name="CustomShape 15"/>
           <p:cNvSpPr/>
           <p:nvPr/>
         </p:nvSpPr>
         <p:spPr>
           <a:xfrm>
-            <a:off x="756000" y="21515040"/>
-            <a:ext cx="7308000" cy="12468600"/>
+            <a:off x="756000" y="22536000"/>
+            <a:ext cx="7307280" cy="11446920"/>
           </a:xfrm>
           <a:custGeom>
             <a:avLst/>
@@ -3240,14 +3029,14 @@
       </p:sp>
       <p:sp>
         <p:nvSpPr>
-          <p:cNvPr id="61" name="CustomShape 16"/>
+          <p:cNvPr id="59" name="CustomShape 16"/>
           <p:cNvSpPr/>
           <p:nvPr/>
         </p:nvSpPr>
         <p:spPr>
           <a:xfrm>
             <a:off x="8928000" y="28224000"/>
-            <a:ext cx="19187640" cy="5723640"/>
+            <a:ext cx="19186920" cy="5722920"/>
           </a:xfrm>
           <a:custGeom>
             <a:avLst/>
@@ -3367,14 +3156,14 @@
       </p:sp>
       <p:sp>
         <p:nvSpPr>
-          <p:cNvPr id="62" name="CustomShape 17"/>
+          <p:cNvPr id="60" name="CustomShape 17"/>
           <p:cNvSpPr/>
           <p:nvPr/>
         </p:nvSpPr>
         <p:spPr>
           <a:xfrm>
             <a:off x="9468000" y="28584000"/>
-            <a:ext cx="17927640" cy="1675440"/>
+            <a:ext cx="17926920" cy="1674720"/>
           </a:xfrm>
           <a:prstGeom prst="rect">
             <a:avLst/>
@@ -3395,7 +3184,7 @@
             <a:noAutofit/>
           </a:bodyPr>
           <a:p>
-            <a:pPr marL="216000" indent="-215640">
+            <a:pPr marL="216000" indent="-214920">
               <a:lnSpc>
                 <a:spcPct val="100000"/>
               </a:lnSpc>
@@ -3408,7 +3197,11 @@
             </a:pPr>
             <a:r>
               <a:rPr b="0" lang="fr-FR" sz="2800" spc="-1" strike="noStrike">
+                <a:solidFill>
+                  <a:srgbClr val="000000"/>
+                </a:solidFill>
                 <a:latin typeface="Arial"/>
+                <a:ea typeface="DejaVu Sans"/>
               </a:rPr>
               <a:t>Apprentissage sur le recto uniquement</a:t>
             </a:r>
@@ -3417,7 +3210,7 @@
             </a:endParaRPr>
           </a:p>
           <a:p>
-            <a:pPr marL="216000" indent="-215640">
+            <a:pPr marL="216000" indent="-214920">
               <a:lnSpc>
                 <a:spcPct val="100000"/>
               </a:lnSpc>
@@ -3430,7 +3223,11 @@
             </a:pPr>
             <a:r>
               <a:rPr b="0" lang="fr-FR" sz="2800" spc="-1" strike="noStrike">
+                <a:solidFill>
+                  <a:srgbClr val="000000"/>
+                </a:solidFill>
                 <a:latin typeface="Arial"/>
+                <a:ea typeface="DejaVu Sans"/>
               </a:rPr>
               <a:t>Utilisation de plusieurs modèle pour alimenter le stacking</a:t>
             </a:r>
@@ -3439,7 +3236,7 @@
             </a:endParaRPr>
           </a:p>
           <a:p>
-            <a:pPr marL="216000" indent="-215640">
+            <a:pPr marL="216000" indent="-214920">
               <a:lnSpc>
                 <a:spcPct val="100000"/>
               </a:lnSpc>
@@ -3452,7 +3249,11 @@
             </a:pPr>
             <a:r>
               <a:rPr b="0" lang="fr-FR" sz="2800" spc="-1" strike="noStrike">
+                <a:solidFill>
+                  <a:srgbClr val="000000"/>
+                </a:solidFill>
                 <a:latin typeface="Arial"/>
+                <a:ea typeface="DejaVu Sans"/>
               </a:rPr>
               <a:t>Augmenter le nombre d’images pour les symptômes les plus mal prédites</a:t>
             </a:r>
@@ -3464,7 +3265,7 @@
       </p:sp>
       <p:pic>
         <p:nvPicPr>
-          <p:cNvPr id="63" name="" descr=""/>
+          <p:cNvPr id="61" name="" descr=""/>
           <p:cNvPicPr/>
           <p:nvPr/>
         </p:nvPicPr>
@@ -3475,7 +3276,7 @@
         <p:spPr>
           <a:xfrm>
             <a:off x="8928000" y="10836000"/>
-            <a:ext cx="18964080" cy="14858640"/>
+            <a:ext cx="18963360" cy="14857920"/>
           </a:xfrm>
           <a:prstGeom prst="rect">
             <a:avLst/>
